--- a/ppt 16-9/0573.主爱无量.pptx
+++ b/ppt 16-9/0573.主爱无量.pptx
@@ -129,7 +129,7 @@
           <p:cNvPr id="2" name="标题 1">
             <a:extLst>
               <a:ext uri="{FF2B5EF4-FFF2-40B4-BE49-F238E27FC236}">
-                <a16:creationId xmlns:a16="http://schemas.microsoft.com/office/drawing/2014/main" id="{EE0E704F-5CC0-026D-2492-811AF3268D87}"/>
+                <a16:creationId xmlns:a16="http://schemas.microsoft.com/office/drawing/2014/main" id="{F5E8D089-2762-D0B7-C557-95339BEEBB4D}"/>
               </a:ext>
             </a:extLst>
           </p:cNvPr>
@@ -166,7 +166,7 @@
           <p:cNvPr id="3" name="副标题 2">
             <a:extLst>
               <a:ext uri="{FF2B5EF4-FFF2-40B4-BE49-F238E27FC236}">
-                <a16:creationId xmlns:a16="http://schemas.microsoft.com/office/drawing/2014/main" id="{11D87514-054C-4DBA-0921-65477A05C479}"/>
+                <a16:creationId xmlns:a16="http://schemas.microsoft.com/office/drawing/2014/main" id="{6DE9CAEF-B8CE-1CEF-BF9D-3417FBF0CAB3}"/>
               </a:ext>
             </a:extLst>
           </p:cNvPr>
@@ -236,7 +236,7 @@
           <p:cNvPr id="4" name="日期占位符 3">
             <a:extLst>
               <a:ext uri="{FF2B5EF4-FFF2-40B4-BE49-F238E27FC236}">
-                <a16:creationId xmlns:a16="http://schemas.microsoft.com/office/drawing/2014/main" id="{2D275237-4F1F-BB5C-670B-733173C53C24}"/>
+                <a16:creationId xmlns:a16="http://schemas.microsoft.com/office/drawing/2014/main" id="{50F32A6B-0835-3125-BB57-57714EF5088B}"/>
               </a:ext>
             </a:extLst>
           </p:cNvPr>
@@ -252,7 +252,7 @@
           <a:bodyPr/>
           <a:lstStyle/>
           <a:p>
-            <a:fld id="{2B4B41D6-3795-4D08-A12D-2BAC4B2C15A8}" type="datetimeFigureOut">
+            <a:fld id="{92C4149D-1F30-4B51-B9E5-4952FE86AB54}" type="datetimeFigureOut">
               <a:rPr lang="zh-CN" altLang="en-US" smtClean="0"/>
               <a:t>2024/3/10</a:t>
             </a:fld>
@@ -265,7 +265,7 @@
           <p:cNvPr id="5" name="页脚占位符 4">
             <a:extLst>
               <a:ext uri="{FF2B5EF4-FFF2-40B4-BE49-F238E27FC236}">
-                <a16:creationId xmlns:a16="http://schemas.microsoft.com/office/drawing/2014/main" id="{66B90695-DDAA-32E3-DBEF-45D56E4D2432}"/>
+                <a16:creationId xmlns:a16="http://schemas.microsoft.com/office/drawing/2014/main" id="{E384DFD7-6AF5-419B-DCFA-55551284939F}"/>
               </a:ext>
             </a:extLst>
           </p:cNvPr>
@@ -290,7 +290,7 @@
           <p:cNvPr id="6" name="灯片编号占位符 5">
             <a:extLst>
               <a:ext uri="{FF2B5EF4-FFF2-40B4-BE49-F238E27FC236}">
-                <a16:creationId xmlns:a16="http://schemas.microsoft.com/office/drawing/2014/main" id="{F0015A16-575A-68F5-6CDA-65BDB54388F6}"/>
+                <a16:creationId xmlns:a16="http://schemas.microsoft.com/office/drawing/2014/main" id="{4F091953-A9AC-0980-3ED7-A7C1C26EC7C8}"/>
               </a:ext>
             </a:extLst>
           </p:cNvPr>
@@ -306,7 +306,7 @@
           <a:bodyPr/>
           <a:lstStyle/>
           <a:p>
-            <a:fld id="{C89805E2-DDF7-4114-A3A9-A125FAC35C8D}" type="slidenum">
+            <a:fld id="{72170D43-63B0-4687-BFB9-89D64CE0792B}" type="slidenum">
               <a:rPr lang="zh-CN" altLang="en-US" smtClean="0"/>
               <a:t>‹#›</a:t>
             </a:fld>
@@ -317,7 +317,7 @@
     </p:spTree>
     <p:extLst>
       <p:ext uri="{BB962C8B-B14F-4D97-AF65-F5344CB8AC3E}">
-        <p14:creationId xmlns:p14="http://schemas.microsoft.com/office/powerpoint/2010/main" val="2543154395"/>
+        <p14:creationId xmlns:p14="http://schemas.microsoft.com/office/powerpoint/2010/main" val="3294844278"/>
       </p:ext>
     </p:extLst>
   </p:cSld>
@@ -349,7 +349,7 @@
           <p:cNvPr id="2" name="标题 1">
             <a:extLst>
               <a:ext uri="{FF2B5EF4-FFF2-40B4-BE49-F238E27FC236}">
-                <a16:creationId xmlns:a16="http://schemas.microsoft.com/office/drawing/2014/main" id="{408CF14E-7CD0-AD3F-410E-820E3192AC70}"/>
+                <a16:creationId xmlns:a16="http://schemas.microsoft.com/office/drawing/2014/main" id="{B2DBA0D3-141B-D1A8-4720-7A19FBAB7522}"/>
               </a:ext>
             </a:extLst>
           </p:cNvPr>
@@ -377,7 +377,7 @@
           <p:cNvPr id="3" name="竖排文字占位符 2">
             <a:extLst>
               <a:ext uri="{FF2B5EF4-FFF2-40B4-BE49-F238E27FC236}">
-                <a16:creationId xmlns:a16="http://schemas.microsoft.com/office/drawing/2014/main" id="{BDE1F754-0990-B337-E3C2-1FC1EA0E69D9}"/>
+                <a16:creationId xmlns:a16="http://schemas.microsoft.com/office/drawing/2014/main" id="{259F8F74-2CDF-5911-F354-4E17634BFAD7}"/>
               </a:ext>
             </a:extLst>
           </p:cNvPr>
@@ -434,7 +434,7 @@
           <p:cNvPr id="4" name="日期占位符 3">
             <a:extLst>
               <a:ext uri="{FF2B5EF4-FFF2-40B4-BE49-F238E27FC236}">
-                <a16:creationId xmlns:a16="http://schemas.microsoft.com/office/drawing/2014/main" id="{11BC7906-BAC7-5B45-6EED-EB750C7BAF8E}"/>
+                <a16:creationId xmlns:a16="http://schemas.microsoft.com/office/drawing/2014/main" id="{58615A99-5509-ABE3-B061-C659E497D1F5}"/>
               </a:ext>
             </a:extLst>
           </p:cNvPr>
@@ -450,7 +450,7 @@
           <a:bodyPr/>
           <a:lstStyle/>
           <a:p>
-            <a:fld id="{2B4B41D6-3795-4D08-A12D-2BAC4B2C15A8}" type="datetimeFigureOut">
+            <a:fld id="{92C4149D-1F30-4B51-B9E5-4952FE86AB54}" type="datetimeFigureOut">
               <a:rPr lang="zh-CN" altLang="en-US" smtClean="0"/>
               <a:t>2024/3/10</a:t>
             </a:fld>
@@ -463,7 +463,7 @@
           <p:cNvPr id="5" name="页脚占位符 4">
             <a:extLst>
               <a:ext uri="{FF2B5EF4-FFF2-40B4-BE49-F238E27FC236}">
-                <a16:creationId xmlns:a16="http://schemas.microsoft.com/office/drawing/2014/main" id="{30AFD13E-6626-66E3-FE9C-80B1E72DC00E}"/>
+                <a16:creationId xmlns:a16="http://schemas.microsoft.com/office/drawing/2014/main" id="{C4A87C90-A40E-E4A4-C792-114588B09575}"/>
               </a:ext>
             </a:extLst>
           </p:cNvPr>
@@ -488,7 +488,7 @@
           <p:cNvPr id="6" name="灯片编号占位符 5">
             <a:extLst>
               <a:ext uri="{FF2B5EF4-FFF2-40B4-BE49-F238E27FC236}">
-                <a16:creationId xmlns:a16="http://schemas.microsoft.com/office/drawing/2014/main" id="{3563299C-6762-1F95-5870-BF4C57238BD3}"/>
+                <a16:creationId xmlns:a16="http://schemas.microsoft.com/office/drawing/2014/main" id="{B3CF5240-DC93-A0E6-B50E-8E641B78400A}"/>
               </a:ext>
             </a:extLst>
           </p:cNvPr>
@@ -504,7 +504,7 @@
           <a:bodyPr/>
           <a:lstStyle/>
           <a:p>
-            <a:fld id="{C89805E2-DDF7-4114-A3A9-A125FAC35C8D}" type="slidenum">
+            <a:fld id="{72170D43-63B0-4687-BFB9-89D64CE0792B}" type="slidenum">
               <a:rPr lang="zh-CN" altLang="en-US" smtClean="0"/>
               <a:t>‹#›</a:t>
             </a:fld>
@@ -515,7 +515,7 @@
     </p:spTree>
     <p:extLst>
       <p:ext uri="{BB962C8B-B14F-4D97-AF65-F5344CB8AC3E}">
-        <p14:creationId xmlns:p14="http://schemas.microsoft.com/office/powerpoint/2010/main" val="838404491"/>
+        <p14:creationId xmlns:p14="http://schemas.microsoft.com/office/powerpoint/2010/main" val="3819584078"/>
       </p:ext>
     </p:extLst>
   </p:cSld>
@@ -547,7 +547,7 @@
           <p:cNvPr id="2" name="竖排标题 1">
             <a:extLst>
               <a:ext uri="{FF2B5EF4-FFF2-40B4-BE49-F238E27FC236}">
-                <a16:creationId xmlns:a16="http://schemas.microsoft.com/office/drawing/2014/main" id="{5CC70BC6-FBDD-9F6C-FB84-CF0487248C78}"/>
+                <a16:creationId xmlns:a16="http://schemas.microsoft.com/office/drawing/2014/main" id="{3EE28A0F-119B-4411-5AD1-BDAF2B3D915D}"/>
               </a:ext>
             </a:extLst>
           </p:cNvPr>
@@ -580,7 +580,7 @@
           <p:cNvPr id="3" name="竖排文字占位符 2">
             <a:extLst>
               <a:ext uri="{FF2B5EF4-FFF2-40B4-BE49-F238E27FC236}">
-                <a16:creationId xmlns:a16="http://schemas.microsoft.com/office/drawing/2014/main" id="{00476C2F-F894-5EFF-C43B-64269423B835}"/>
+                <a16:creationId xmlns:a16="http://schemas.microsoft.com/office/drawing/2014/main" id="{A9FF7C0A-E15D-EECC-7A2F-819AD9E0571E}"/>
               </a:ext>
             </a:extLst>
           </p:cNvPr>
@@ -642,7 +642,7 @@
           <p:cNvPr id="4" name="日期占位符 3">
             <a:extLst>
               <a:ext uri="{FF2B5EF4-FFF2-40B4-BE49-F238E27FC236}">
-                <a16:creationId xmlns:a16="http://schemas.microsoft.com/office/drawing/2014/main" id="{2BB4B238-E1C5-8FBA-B9F6-BD786C0BD870}"/>
+                <a16:creationId xmlns:a16="http://schemas.microsoft.com/office/drawing/2014/main" id="{AF823DCD-53AE-C46B-EF59-AFDDF09180A4}"/>
               </a:ext>
             </a:extLst>
           </p:cNvPr>
@@ -658,7 +658,7 @@
           <a:bodyPr/>
           <a:lstStyle/>
           <a:p>
-            <a:fld id="{2B4B41D6-3795-4D08-A12D-2BAC4B2C15A8}" type="datetimeFigureOut">
+            <a:fld id="{92C4149D-1F30-4B51-B9E5-4952FE86AB54}" type="datetimeFigureOut">
               <a:rPr lang="zh-CN" altLang="en-US" smtClean="0"/>
               <a:t>2024/3/10</a:t>
             </a:fld>
@@ -671,7 +671,7 @@
           <p:cNvPr id="5" name="页脚占位符 4">
             <a:extLst>
               <a:ext uri="{FF2B5EF4-FFF2-40B4-BE49-F238E27FC236}">
-                <a16:creationId xmlns:a16="http://schemas.microsoft.com/office/drawing/2014/main" id="{28E805B7-E98E-72C8-A2BD-F03E8C02CAA7}"/>
+                <a16:creationId xmlns:a16="http://schemas.microsoft.com/office/drawing/2014/main" id="{69E57266-457F-9119-5157-F6E5CACC0CA2}"/>
               </a:ext>
             </a:extLst>
           </p:cNvPr>
@@ -696,7 +696,7 @@
           <p:cNvPr id="6" name="灯片编号占位符 5">
             <a:extLst>
               <a:ext uri="{FF2B5EF4-FFF2-40B4-BE49-F238E27FC236}">
-                <a16:creationId xmlns:a16="http://schemas.microsoft.com/office/drawing/2014/main" id="{B1250791-EB0A-C710-DA1E-E775052FEB9F}"/>
+                <a16:creationId xmlns:a16="http://schemas.microsoft.com/office/drawing/2014/main" id="{1B59B439-B450-8520-7639-86675200E2EB}"/>
               </a:ext>
             </a:extLst>
           </p:cNvPr>
@@ -712,7 +712,7 @@
           <a:bodyPr/>
           <a:lstStyle/>
           <a:p>
-            <a:fld id="{C89805E2-DDF7-4114-A3A9-A125FAC35C8D}" type="slidenum">
+            <a:fld id="{72170D43-63B0-4687-BFB9-89D64CE0792B}" type="slidenum">
               <a:rPr lang="zh-CN" altLang="en-US" smtClean="0"/>
               <a:t>‹#›</a:t>
             </a:fld>
@@ -723,7 +723,7 @@
     </p:spTree>
     <p:extLst>
       <p:ext uri="{BB962C8B-B14F-4D97-AF65-F5344CB8AC3E}">
-        <p14:creationId xmlns:p14="http://schemas.microsoft.com/office/powerpoint/2010/main" val="3782171496"/>
+        <p14:creationId xmlns:p14="http://schemas.microsoft.com/office/powerpoint/2010/main" val="2083913060"/>
       </p:ext>
     </p:extLst>
   </p:cSld>
@@ -755,7 +755,7 @@
           <p:cNvPr id="2" name="标题 1">
             <a:extLst>
               <a:ext uri="{FF2B5EF4-FFF2-40B4-BE49-F238E27FC236}">
-                <a16:creationId xmlns:a16="http://schemas.microsoft.com/office/drawing/2014/main" id="{5F5A4C04-C8E9-13A7-E8C7-E48EC71A3449}"/>
+                <a16:creationId xmlns:a16="http://schemas.microsoft.com/office/drawing/2014/main" id="{F63F7A97-C54B-CBCE-BF10-2AD362537C96}"/>
               </a:ext>
             </a:extLst>
           </p:cNvPr>
@@ -783,7 +783,7 @@
           <p:cNvPr id="3" name="内容占位符 2">
             <a:extLst>
               <a:ext uri="{FF2B5EF4-FFF2-40B4-BE49-F238E27FC236}">
-                <a16:creationId xmlns:a16="http://schemas.microsoft.com/office/drawing/2014/main" id="{75399069-3416-A1F6-D70A-A28CED4C2806}"/>
+                <a16:creationId xmlns:a16="http://schemas.microsoft.com/office/drawing/2014/main" id="{CC69B231-B042-0D0C-33E4-4A252A71F46B}"/>
               </a:ext>
             </a:extLst>
           </p:cNvPr>
@@ -840,7 +840,7 @@
           <p:cNvPr id="4" name="日期占位符 3">
             <a:extLst>
               <a:ext uri="{FF2B5EF4-FFF2-40B4-BE49-F238E27FC236}">
-                <a16:creationId xmlns:a16="http://schemas.microsoft.com/office/drawing/2014/main" id="{345DCA43-D2F5-A83C-013B-131734B21687}"/>
+                <a16:creationId xmlns:a16="http://schemas.microsoft.com/office/drawing/2014/main" id="{5905B5A4-9940-1EB3-F672-E0D3FF3A96BA}"/>
               </a:ext>
             </a:extLst>
           </p:cNvPr>
@@ -856,7 +856,7 @@
           <a:bodyPr/>
           <a:lstStyle/>
           <a:p>
-            <a:fld id="{2B4B41D6-3795-4D08-A12D-2BAC4B2C15A8}" type="datetimeFigureOut">
+            <a:fld id="{92C4149D-1F30-4B51-B9E5-4952FE86AB54}" type="datetimeFigureOut">
               <a:rPr lang="zh-CN" altLang="en-US" smtClean="0"/>
               <a:t>2024/3/10</a:t>
             </a:fld>
@@ -869,7 +869,7 @@
           <p:cNvPr id="5" name="页脚占位符 4">
             <a:extLst>
               <a:ext uri="{FF2B5EF4-FFF2-40B4-BE49-F238E27FC236}">
-                <a16:creationId xmlns:a16="http://schemas.microsoft.com/office/drawing/2014/main" id="{D4F1A673-AB57-1483-D972-43A3C5F6CE2F}"/>
+                <a16:creationId xmlns:a16="http://schemas.microsoft.com/office/drawing/2014/main" id="{7ACC2550-0B27-F222-1E95-B84F2BB292D5}"/>
               </a:ext>
             </a:extLst>
           </p:cNvPr>
@@ -894,7 +894,7 @@
           <p:cNvPr id="6" name="灯片编号占位符 5">
             <a:extLst>
               <a:ext uri="{FF2B5EF4-FFF2-40B4-BE49-F238E27FC236}">
-                <a16:creationId xmlns:a16="http://schemas.microsoft.com/office/drawing/2014/main" id="{897E16A7-454F-64E9-4A0D-A56A4EAAE19F}"/>
+                <a16:creationId xmlns:a16="http://schemas.microsoft.com/office/drawing/2014/main" id="{0049392A-FE75-F5BC-46BE-29DB0649AEC4}"/>
               </a:ext>
             </a:extLst>
           </p:cNvPr>
@@ -910,7 +910,7 @@
           <a:bodyPr/>
           <a:lstStyle/>
           <a:p>
-            <a:fld id="{C89805E2-DDF7-4114-A3A9-A125FAC35C8D}" type="slidenum">
+            <a:fld id="{72170D43-63B0-4687-BFB9-89D64CE0792B}" type="slidenum">
               <a:rPr lang="zh-CN" altLang="en-US" smtClean="0"/>
               <a:t>‹#›</a:t>
             </a:fld>
@@ -921,7 +921,7 @@
     </p:spTree>
     <p:extLst>
       <p:ext uri="{BB962C8B-B14F-4D97-AF65-F5344CB8AC3E}">
-        <p14:creationId xmlns:p14="http://schemas.microsoft.com/office/powerpoint/2010/main" val="3253630598"/>
+        <p14:creationId xmlns:p14="http://schemas.microsoft.com/office/powerpoint/2010/main" val="1993713474"/>
       </p:ext>
     </p:extLst>
   </p:cSld>
@@ -953,7 +953,7 @@
           <p:cNvPr id="2" name="标题 1">
             <a:extLst>
               <a:ext uri="{FF2B5EF4-FFF2-40B4-BE49-F238E27FC236}">
-                <a16:creationId xmlns:a16="http://schemas.microsoft.com/office/drawing/2014/main" id="{A5C39768-5CD7-3E23-138A-D93909213D73}"/>
+                <a16:creationId xmlns:a16="http://schemas.microsoft.com/office/drawing/2014/main" id="{3494B293-3CE3-7E3C-EEDA-A754FE157266}"/>
               </a:ext>
             </a:extLst>
           </p:cNvPr>
@@ -990,7 +990,7 @@
           <p:cNvPr id="3" name="文本占位符 2">
             <a:extLst>
               <a:ext uri="{FF2B5EF4-FFF2-40B4-BE49-F238E27FC236}">
-                <a16:creationId xmlns:a16="http://schemas.microsoft.com/office/drawing/2014/main" id="{E6F170BD-77BB-89E4-3864-731525605858}"/>
+                <a16:creationId xmlns:a16="http://schemas.microsoft.com/office/drawing/2014/main" id="{2AE5E989-2022-7AE9-3C13-83A03434EBEA}"/>
               </a:ext>
             </a:extLst>
           </p:cNvPr>
@@ -1115,7 +1115,7 @@
           <p:cNvPr id="4" name="日期占位符 3">
             <a:extLst>
               <a:ext uri="{FF2B5EF4-FFF2-40B4-BE49-F238E27FC236}">
-                <a16:creationId xmlns:a16="http://schemas.microsoft.com/office/drawing/2014/main" id="{CE6C6E2C-0DB3-6F9E-CB36-7DEE75404FA7}"/>
+                <a16:creationId xmlns:a16="http://schemas.microsoft.com/office/drawing/2014/main" id="{E203B380-F553-F089-62B1-53FACB74368E}"/>
               </a:ext>
             </a:extLst>
           </p:cNvPr>
@@ -1131,7 +1131,7 @@
           <a:bodyPr/>
           <a:lstStyle/>
           <a:p>
-            <a:fld id="{2B4B41D6-3795-4D08-A12D-2BAC4B2C15A8}" type="datetimeFigureOut">
+            <a:fld id="{92C4149D-1F30-4B51-B9E5-4952FE86AB54}" type="datetimeFigureOut">
               <a:rPr lang="zh-CN" altLang="en-US" smtClean="0"/>
               <a:t>2024/3/10</a:t>
             </a:fld>
@@ -1144,7 +1144,7 @@
           <p:cNvPr id="5" name="页脚占位符 4">
             <a:extLst>
               <a:ext uri="{FF2B5EF4-FFF2-40B4-BE49-F238E27FC236}">
-                <a16:creationId xmlns:a16="http://schemas.microsoft.com/office/drawing/2014/main" id="{2FC0C95F-6D7E-7C9D-B412-5A7997169903}"/>
+                <a16:creationId xmlns:a16="http://schemas.microsoft.com/office/drawing/2014/main" id="{645D7EBF-D555-243E-794E-47A4EDF662CF}"/>
               </a:ext>
             </a:extLst>
           </p:cNvPr>
@@ -1169,7 +1169,7 @@
           <p:cNvPr id="6" name="灯片编号占位符 5">
             <a:extLst>
               <a:ext uri="{FF2B5EF4-FFF2-40B4-BE49-F238E27FC236}">
-                <a16:creationId xmlns:a16="http://schemas.microsoft.com/office/drawing/2014/main" id="{53109078-C714-3B10-5362-B89C36C0486B}"/>
+                <a16:creationId xmlns:a16="http://schemas.microsoft.com/office/drawing/2014/main" id="{AD89DE43-BBAD-C044-BBDC-53524F3F968F}"/>
               </a:ext>
             </a:extLst>
           </p:cNvPr>
@@ -1185,7 +1185,7 @@
           <a:bodyPr/>
           <a:lstStyle/>
           <a:p>
-            <a:fld id="{C89805E2-DDF7-4114-A3A9-A125FAC35C8D}" type="slidenum">
+            <a:fld id="{72170D43-63B0-4687-BFB9-89D64CE0792B}" type="slidenum">
               <a:rPr lang="zh-CN" altLang="en-US" smtClean="0"/>
               <a:t>‹#›</a:t>
             </a:fld>
@@ -1196,7 +1196,7 @@
     </p:spTree>
     <p:extLst>
       <p:ext uri="{BB962C8B-B14F-4D97-AF65-F5344CB8AC3E}">
-        <p14:creationId xmlns:p14="http://schemas.microsoft.com/office/powerpoint/2010/main" val="1421725211"/>
+        <p14:creationId xmlns:p14="http://schemas.microsoft.com/office/powerpoint/2010/main" val="3379622102"/>
       </p:ext>
     </p:extLst>
   </p:cSld>
@@ -1228,7 +1228,7 @@
           <p:cNvPr id="2" name="标题 1">
             <a:extLst>
               <a:ext uri="{FF2B5EF4-FFF2-40B4-BE49-F238E27FC236}">
-                <a16:creationId xmlns:a16="http://schemas.microsoft.com/office/drawing/2014/main" id="{580C8169-52DA-9F19-7107-99E81BC5F98C}"/>
+                <a16:creationId xmlns:a16="http://schemas.microsoft.com/office/drawing/2014/main" id="{04ACAF59-47FB-7F4A-01CD-F22FCE86289F}"/>
               </a:ext>
             </a:extLst>
           </p:cNvPr>
@@ -1256,7 +1256,7 @@
           <p:cNvPr id="3" name="内容占位符 2">
             <a:extLst>
               <a:ext uri="{FF2B5EF4-FFF2-40B4-BE49-F238E27FC236}">
-                <a16:creationId xmlns:a16="http://schemas.microsoft.com/office/drawing/2014/main" id="{C8A022FE-3158-FF0B-D976-EF685AA9025B}"/>
+                <a16:creationId xmlns:a16="http://schemas.microsoft.com/office/drawing/2014/main" id="{675B5836-51C3-1150-EBF7-7511E6B9D989}"/>
               </a:ext>
             </a:extLst>
           </p:cNvPr>
@@ -1318,7 +1318,7 @@
           <p:cNvPr id="4" name="内容占位符 3">
             <a:extLst>
               <a:ext uri="{FF2B5EF4-FFF2-40B4-BE49-F238E27FC236}">
-                <a16:creationId xmlns:a16="http://schemas.microsoft.com/office/drawing/2014/main" id="{A86D351B-EC2A-ACD8-F0E9-76F7FE3BC837}"/>
+                <a16:creationId xmlns:a16="http://schemas.microsoft.com/office/drawing/2014/main" id="{E8A338D4-CAEF-E271-9020-90FDB117EC40}"/>
               </a:ext>
             </a:extLst>
           </p:cNvPr>
@@ -1380,7 +1380,7 @@
           <p:cNvPr id="5" name="日期占位符 4">
             <a:extLst>
               <a:ext uri="{FF2B5EF4-FFF2-40B4-BE49-F238E27FC236}">
-                <a16:creationId xmlns:a16="http://schemas.microsoft.com/office/drawing/2014/main" id="{D2EBE8E3-4F07-C122-5746-860FC115F796}"/>
+                <a16:creationId xmlns:a16="http://schemas.microsoft.com/office/drawing/2014/main" id="{C29749F5-2AEA-FCE8-2A0F-BDA23FFA1250}"/>
               </a:ext>
             </a:extLst>
           </p:cNvPr>
@@ -1396,7 +1396,7 @@
           <a:bodyPr/>
           <a:lstStyle/>
           <a:p>
-            <a:fld id="{2B4B41D6-3795-4D08-A12D-2BAC4B2C15A8}" type="datetimeFigureOut">
+            <a:fld id="{92C4149D-1F30-4B51-B9E5-4952FE86AB54}" type="datetimeFigureOut">
               <a:rPr lang="zh-CN" altLang="en-US" smtClean="0"/>
               <a:t>2024/3/10</a:t>
             </a:fld>
@@ -1409,7 +1409,7 @@
           <p:cNvPr id="6" name="页脚占位符 5">
             <a:extLst>
               <a:ext uri="{FF2B5EF4-FFF2-40B4-BE49-F238E27FC236}">
-                <a16:creationId xmlns:a16="http://schemas.microsoft.com/office/drawing/2014/main" id="{498F199E-D9B7-8F09-842A-AD7F679EFAC7}"/>
+                <a16:creationId xmlns:a16="http://schemas.microsoft.com/office/drawing/2014/main" id="{F0A63675-8984-80B2-964C-0D1108469311}"/>
               </a:ext>
             </a:extLst>
           </p:cNvPr>
@@ -1434,7 +1434,7 @@
           <p:cNvPr id="7" name="灯片编号占位符 6">
             <a:extLst>
               <a:ext uri="{FF2B5EF4-FFF2-40B4-BE49-F238E27FC236}">
-                <a16:creationId xmlns:a16="http://schemas.microsoft.com/office/drawing/2014/main" id="{6CA71474-A59D-A30C-9155-290231772CFE}"/>
+                <a16:creationId xmlns:a16="http://schemas.microsoft.com/office/drawing/2014/main" id="{8B8C8B89-D58B-A78D-8EA0-AF865317D5A3}"/>
               </a:ext>
             </a:extLst>
           </p:cNvPr>
@@ -1450,7 +1450,7 @@
           <a:bodyPr/>
           <a:lstStyle/>
           <a:p>
-            <a:fld id="{C89805E2-DDF7-4114-A3A9-A125FAC35C8D}" type="slidenum">
+            <a:fld id="{72170D43-63B0-4687-BFB9-89D64CE0792B}" type="slidenum">
               <a:rPr lang="zh-CN" altLang="en-US" smtClean="0"/>
               <a:t>‹#›</a:t>
             </a:fld>
@@ -1461,7 +1461,7 @@
     </p:spTree>
     <p:extLst>
       <p:ext uri="{BB962C8B-B14F-4D97-AF65-F5344CB8AC3E}">
-        <p14:creationId xmlns:p14="http://schemas.microsoft.com/office/powerpoint/2010/main" val="4153395234"/>
+        <p14:creationId xmlns:p14="http://schemas.microsoft.com/office/powerpoint/2010/main" val="3702179718"/>
       </p:ext>
     </p:extLst>
   </p:cSld>
@@ -1493,7 +1493,7 @@
           <p:cNvPr id="2" name="标题 1">
             <a:extLst>
               <a:ext uri="{FF2B5EF4-FFF2-40B4-BE49-F238E27FC236}">
-                <a16:creationId xmlns:a16="http://schemas.microsoft.com/office/drawing/2014/main" id="{8C58561D-79D3-34A8-5810-9FD75012E069}"/>
+                <a16:creationId xmlns:a16="http://schemas.microsoft.com/office/drawing/2014/main" id="{5AB3045D-891E-12CF-BDA2-D57CFD7F3253}"/>
               </a:ext>
             </a:extLst>
           </p:cNvPr>
@@ -1526,7 +1526,7 @@
           <p:cNvPr id="3" name="文本占位符 2">
             <a:extLst>
               <a:ext uri="{FF2B5EF4-FFF2-40B4-BE49-F238E27FC236}">
-                <a16:creationId xmlns:a16="http://schemas.microsoft.com/office/drawing/2014/main" id="{AED3247A-86F5-A7C2-9405-956DC457A919}"/>
+                <a16:creationId xmlns:a16="http://schemas.microsoft.com/office/drawing/2014/main" id="{04DC7C38-F9E6-6E09-E3C9-2B2A57F059B3}"/>
               </a:ext>
             </a:extLst>
           </p:cNvPr>
@@ -1597,7 +1597,7 @@
           <p:cNvPr id="4" name="内容占位符 3">
             <a:extLst>
               <a:ext uri="{FF2B5EF4-FFF2-40B4-BE49-F238E27FC236}">
-                <a16:creationId xmlns:a16="http://schemas.microsoft.com/office/drawing/2014/main" id="{D11B6237-FAE3-88C0-D2E8-9F64454108C9}"/>
+                <a16:creationId xmlns:a16="http://schemas.microsoft.com/office/drawing/2014/main" id="{50FE9BB6-C641-F6F0-0506-14E0075B5AA2}"/>
               </a:ext>
             </a:extLst>
           </p:cNvPr>
@@ -1659,7 +1659,7 @@
           <p:cNvPr id="5" name="文本占位符 4">
             <a:extLst>
               <a:ext uri="{FF2B5EF4-FFF2-40B4-BE49-F238E27FC236}">
-                <a16:creationId xmlns:a16="http://schemas.microsoft.com/office/drawing/2014/main" id="{8A27FFD7-CB73-E00A-AE0D-604E941594C7}"/>
+                <a16:creationId xmlns:a16="http://schemas.microsoft.com/office/drawing/2014/main" id="{5BE1645E-05FB-E5A2-06A3-E73204862287}"/>
               </a:ext>
             </a:extLst>
           </p:cNvPr>
@@ -1730,7 +1730,7 @@
           <p:cNvPr id="6" name="内容占位符 5">
             <a:extLst>
               <a:ext uri="{FF2B5EF4-FFF2-40B4-BE49-F238E27FC236}">
-                <a16:creationId xmlns:a16="http://schemas.microsoft.com/office/drawing/2014/main" id="{33104B95-9C63-BC69-A47E-EA464A8DC118}"/>
+                <a16:creationId xmlns:a16="http://schemas.microsoft.com/office/drawing/2014/main" id="{FE9430E5-1B65-F4B3-504B-0FCBFE0AC437}"/>
               </a:ext>
             </a:extLst>
           </p:cNvPr>
@@ -1792,7 +1792,7 @@
           <p:cNvPr id="7" name="日期占位符 6">
             <a:extLst>
               <a:ext uri="{FF2B5EF4-FFF2-40B4-BE49-F238E27FC236}">
-                <a16:creationId xmlns:a16="http://schemas.microsoft.com/office/drawing/2014/main" id="{20F5FD4C-F0A0-CD5D-A3A9-A0F61C47F1C9}"/>
+                <a16:creationId xmlns:a16="http://schemas.microsoft.com/office/drawing/2014/main" id="{1A503001-24D6-A971-7DDE-17A075DDC546}"/>
               </a:ext>
             </a:extLst>
           </p:cNvPr>
@@ -1808,7 +1808,7 @@
           <a:bodyPr/>
           <a:lstStyle/>
           <a:p>
-            <a:fld id="{2B4B41D6-3795-4D08-A12D-2BAC4B2C15A8}" type="datetimeFigureOut">
+            <a:fld id="{92C4149D-1F30-4B51-B9E5-4952FE86AB54}" type="datetimeFigureOut">
               <a:rPr lang="zh-CN" altLang="en-US" smtClean="0"/>
               <a:t>2024/3/10</a:t>
             </a:fld>
@@ -1821,7 +1821,7 @@
           <p:cNvPr id="8" name="页脚占位符 7">
             <a:extLst>
               <a:ext uri="{FF2B5EF4-FFF2-40B4-BE49-F238E27FC236}">
-                <a16:creationId xmlns:a16="http://schemas.microsoft.com/office/drawing/2014/main" id="{1FE9CB6F-709B-4580-C61B-C625D3EC73DF}"/>
+                <a16:creationId xmlns:a16="http://schemas.microsoft.com/office/drawing/2014/main" id="{069F8A30-B929-44F8-E560-B6462534B3E2}"/>
               </a:ext>
             </a:extLst>
           </p:cNvPr>
@@ -1846,7 +1846,7 @@
           <p:cNvPr id="9" name="灯片编号占位符 8">
             <a:extLst>
               <a:ext uri="{FF2B5EF4-FFF2-40B4-BE49-F238E27FC236}">
-                <a16:creationId xmlns:a16="http://schemas.microsoft.com/office/drawing/2014/main" id="{71941F13-C7D1-A13D-FA3B-BD943E96A0F1}"/>
+                <a16:creationId xmlns:a16="http://schemas.microsoft.com/office/drawing/2014/main" id="{0B407490-FDEF-EEB3-6BB1-C34EA5E4536D}"/>
               </a:ext>
             </a:extLst>
           </p:cNvPr>
@@ -1862,7 +1862,7 @@
           <a:bodyPr/>
           <a:lstStyle/>
           <a:p>
-            <a:fld id="{C89805E2-DDF7-4114-A3A9-A125FAC35C8D}" type="slidenum">
+            <a:fld id="{72170D43-63B0-4687-BFB9-89D64CE0792B}" type="slidenum">
               <a:rPr lang="zh-CN" altLang="en-US" smtClean="0"/>
               <a:t>‹#›</a:t>
             </a:fld>
@@ -1873,7 +1873,7 @@
     </p:spTree>
     <p:extLst>
       <p:ext uri="{BB962C8B-B14F-4D97-AF65-F5344CB8AC3E}">
-        <p14:creationId xmlns:p14="http://schemas.microsoft.com/office/powerpoint/2010/main" val="610035045"/>
+        <p14:creationId xmlns:p14="http://schemas.microsoft.com/office/powerpoint/2010/main" val="459660495"/>
       </p:ext>
     </p:extLst>
   </p:cSld>
@@ -1905,7 +1905,7 @@
           <p:cNvPr id="2" name="标题 1">
             <a:extLst>
               <a:ext uri="{FF2B5EF4-FFF2-40B4-BE49-F238E27FC236}">
-                <a16:creationId xmlns:a16="http://schemas.microsoft.com/office/drawing/2014/main" id="{BDC6527C-A6B8-BFA9-309B-96E0AE83A733}"/>
+                <a16:creationId xmlns:a16="http://schemas.microsoft.com/office/drawing/2014/main" id="{C8A20AA3-873A-303A-4A86-9AF166D3018D}"/>
               </a:ext>
             </a:extLst>
           </p:cNvPr>
@@ -1933,7 +1933,7 @@
           <p:cNvPr id="3" name="日期占位符 2">
             <a:extLst>
               <a:ext uri="{FF2B5EF4-FFF2-40B4-BE49-F238E27FC236}">
-                <a16:creationId xmlns:a16="http://schemas.microsoft.com/office/drawing/2014/main" id="{D4C2C3E2-0317-85B3-3966-EFCA97A13F51}"/>
+                <a16:creationId xmlns:a16="http://schemas.microsoft.com/office/drawing/2014/main" id="{B4ED1750-3EAC-5B20-A573-499CFD507CDF}"/>
               </a:ext>
             </a:extLst>
           </p:cNvPr>
@@ -1949,7 +1949,7 @@
           <a:bodyPr/>
           <a:lstStyle/>
           <a:p>
-            <a:fld id="{2B4B41D6-3795-4D08-A12D-2BAC4B2C15A8}" type="datetimeFigureOut">
+            <a:fld id="{92C4149D-1F30-4B51-B9E5-4952FE86AB54}" type="datetimeFigureOut">
               <a:rPr lang="zh-CN" altLang="en-US" smtClean="0"/>
               <a:t>2024/3/10</a:t>
             </a:fld>
@@ -1962,7 +1962,7 @@
           <p:cNvPr id="4" name="页脚占位符 3">
             <a:extLst>
               <a:ext uri="{FF2B5EF4-FFF2-40B4-BE49-F238E27FC236}">
-                <a16:creationId xmlns:a16="http://schemas.microsoft.com/office/drawing/2014/main" id="{65E1C140-77AE-D67B-8649-7B4EA63EF05A}"/>
+                <a16:creationId xmlns:a16="http://schemas.microsoft.com/office/drawing/2014/main" id="{D0081E5A-6D15-405E-D450-CD8C23765DD8}"/>
               </a:ext>
             </a:extLst>
           </p:cNvPr>
@@ -1987,7 +1987,7 @@
           <p:cNvPr id="5" name="灯片编号占位符 4">
             <a:extLst>
               <a:ext uri="{FF2B5EF4-FFF2-40B4-BE49-F238E27FC236}">
-                <a16:creationId xmlns:a16="http://schemas.microsoft.com/office/drawing/2014/main" id="{286A86CD-9D6F-3656-F222-5C5570656D83}"/>
+                <a16:creationId xmlns:a16="http://schemas.microsoft.com/office/drawing/2014/main" id="{83D16E66-1F1F-571B-8ADC-E4D5814561F4}"/>
               </a:ext>
             </a:extLst>
           </p:cNvPr>
@@ -2003,7 +2003,7 @@
           <a:bodyPr/>
           <a:lstStyle/>
           <a:p>
-            <a:fld id="{C89805E2-DDF7-4114-A3A9-A125FAC35C8D}" type="slidenum">
+            <a:fld id="{72170D43-63B0-4687-BFB9-89D64CE0792B}" type="slidenum">
               <a:rPr lang="zh-CN" altLang="en-US" smtClean="0"/>
               <a:t>‹#›</a:t>
             </a:fld>
@@ -2014,7 +2014,7 @@
     </p:spTree>
     <p:extLst>
       <p:ext uri="{BB962C8B-B14F-4D97-AF65-F5344CB8AC3E}">
-        <p14:creationId xmlns:p14="http://schemas.microsoft.com/office/powerpoint/2010/main" val="1416468831"/>
+        <p14:creationId xmlns:p14="http://schemas.microsoft.com/office/powerpoint/2010/main" val="3779896594"/>
       </p:ext>
     </p:extLst>
   </p:cSld>
@@ -2046,7 +2046,7 @@
           <p:cNvPr id="2" name="日期占位符 1">
             <a:extLst>
               <a:ext uri="{FF2B5EF4-FFF2-40B4-BE49-F238E27FC236}">
-                <a16:creationId xmlns:a16="http://schemas.microsoft.com/office/drawing/2014/main" id="{9502F378-CE7A-A093-398F-E11BC2968EC4}"/>
+                <a16:creationId xmlns:a16="http://schemas.microsoft.com/office/drawing/2014/main" id="{8C49E919-A5EB-4F77-9BF5-E2477C9DD085}"/>
               </a:ext>
             </a:extLst>
           </p:cNvPr>
@@ -2062,7 +2062,7 @@
           <a:bodyPr/>
           <a:lstStyle/>
           <a:p>
-            <a:fld id="{2B4B41D6-3795-4D08-A12D-2BAC4B2C15A8}" type="datetimeFigureOut">
+            <a:fld id="{92C4149D-1F30-4B51-B9E5-4952FE86AB54}" type="datetimeFigureOut">
               <a:rPr lang="zh-CN" altLang="en-US" smtClean="0"/>
               <a:t>2024/3/10</a:t>
             </a:fld>
@@ -2075,7 +2075,7 @@
           <p:cNvPr id="3" name="页脚占位符 2">
             <a:extLst>
               <a:ext uri="{FF2B5EF4-FFF2-40B4-BE49-F238E27FC236}">
-                <a16:creationId xmlns:a16="http://schemas.microsoft.com/office/drawing/2014/main" id="{48B43CBA-1547-4AE0-07EA-58CB573A934C}"/>
+                <a16:creationId xmlns:a16="http://schemas.microsoft.com/office/drawing/2014/main" id="{5460DB22-85F1-23E8-802A-692A154DBE0C}"/>
               </a:ext>
             </a:extLst>
           </p:cNvPr>
@@ -2100,7 +2100,7 @@
           <p:cNvPr id="4" name="灯片编号占位符 3">
             <a:extLst>
               <a:ext uri="{FF2B5EF4-FFF2-40B4-BE49-F238E27FC236}">
-                <a16:creationId xmlns:a16="http://schemas.microsoft.com/office/drawing/2014/main" id="{E97D2503-E661-477A-05F5-E1A6A5FF0A83}"/>
+                <a16:creationId xmlns:a16="http://schemas.microsoft.com/office/drawing/2014/main" id="{DF6485C4-41F2-9106-6972-31C896A9A318}"/>
               </a:ext>
             </a:extLst>
           </p:cNvPr>
@@ -2116,7 +2116,7 @@
           <a:bodyPr/>
           <a:lstStyle/>
           <a:p>
-            <a:fld id="{C89805E2-DDF7-4114-A3A9-A125FAC35C8D}" type="slidenum">
+            <a:fld id="{72170D43-63B0-4687-BFB9-89D64CE0792B}" type="slidenum">
               <a:rPr lang="zh-CN" altLang="en-US" smtClean="0"/>
               <a:t>‹#›</a:t>
             </a:fld>
@@ -2127,7 +2127,7 @@
     </p:spTree>
     <p:extLst>
       <p:ext uri="{BB962C8B-B14F-4D97-AF65-F5344CB8AC3E}">
-        <p14:creationId xmlns:p14="http://schemas.microsoft.com/office/powerpoint/2010/main" val="2817020033"/>
+        <p14:creationId xmlns:p14="http://schemas.microsoft.com/office/powerpoint/2010/main" val="3373866332"/>
       </p:ext>
     </p:extLst>
   </p:cSld>
@@ -2159,7 +2159,7 @@
           <p:cNvPr id="2" name="标题 1">
             <a:extLst>
               <a:ext uri="{FF2B5EF4-FFF2-40B4-BE49-F238E27FC236}">
-                <a16:creationId xmlns:a16="http://schemas.microsoft.com/office/drawing/2014/main" id="{59EC5528-D1BE-53C1-06D7-A96A4E4ABAEC}"/>
+                <a16:creationId xmlns:a16="http://schemas.microsoft.com/office/drawing/2014/main" id="{26BAA9DC-BF6A-5752-CAF2-F9A53E8E0147}"/>
               </a:ext>
             </a:extLst>
           </p:cNvPr>
@@ -2196,7 +2196,7 @@
           <p:cNvPr id="3" name="内容占位符 2">
             <a:extLst>
               <a:ext uri="{FF2B5EF4-FFF2-40B4-BE49-F238E27FC236}">
-                <a16:creationId xmlns:a16="http://schemas.microsoft.com/office/drawing/2014/main" id="{392A3BD2-6FF7-2856-A3D9-1D627D7E1F38}"/>
+                <a16:creationId xmlns:a16="http://schemas.microsoft.com/office/drawing/2014/main" id="{7BF32D12-A0A1-470D-DCE8-4F2E93ECD14F}"/>
               </a:ext>
             </a:extLst>
           </p:cNvPr>
@@ -2286,7 +2286,7 @@
           <p:cNvPr id="4" name="文本占位符 3">
             <a:extLst>
               <a:ext uri="{FF2B5EF4-FFF2-40B4-BE49-F238E27FC236}">
-                <a16:creationId xmlns:a16="http://schemas.microsoft.com/office/drawing/2014/main" id="{31D6E2EC-B531-46F4-D9CF-FF54CE4038BA}"/>
+                <a16:creationId xmlns:a16="http://schemas.microsoft.com/office/drawing/2014/main" id="{CD1E8343-4F52-58E1-FB1E-0AE9DE40EC9C}"/>
               </a:ext>
             </a:extLst>
           </p:cNvPr>
@@ -2357,7 +2357,7 @@
           <p:cNvPr id="5" name="日期占位符 4">
             <a:extLst>
               <a:ext uri="{FF2B5EF4-FFF2-40B4-BE49-F238E27FC236}">
-                <a16:creationId xmlns:a16="http://schemas.microsoft.com/office/drawing/2014/main" id="{0B31E449-D83A-A00C-4E02-8F37D9F1E79B}"/>
+                <a16:creationId xmlns:a16="http://schemas.microsoft.com/office/drawing/2014/main" id="{B581909F-FF7D-EDE0-3660-193EBA5B0F61}"/>
               </a:ext>
             </a:extLst>
           </p:cNvPr>
@@ -2373,7 +2373,7 @@
           <a:bodyPr/>
           <a:lstStyle/>
           <a:p>
-            <a:fld id="{2B4B41D6-3795-4D08-A12D-2BAC4B2C15A8}" type="datetimeFigureOut">
+            <a:fld id="{92C4149D-1F30-4B51-B9E5-4952FE86AB54}" type="datetimeFigureOut">
               <a:rPr lang="zh-CN" altLang="en-US" smtClean="0"/>
               <a:t>2024/3/10</a:t>
             </a:fld>
@@ -2386,7 +2386,7 @@
           <p:cNvPr id="6" name="页脚占位符 5">
             <a:extLst>
               <a:ext uri="{FF2B5EF4-FFF2-40B4-BE49-F238E27FC236}">
-                <a16:creationId xmlns:a16="http://schemas.microsoft.com/office/drawing/2014/main" id="{FC11E697-FDE8-845F-25B7-5DA0FE76EB1A}"/>
+                <a16:creationId xmlns:a16="http://schemas.microsoft.com/office/drawing/2014/main" id="{B9DB4246-3C84-3051-BB0F-78F7B13725F2}"/>
               </a:ext>
             </a:extLst>
           </p:cNvPr>
@@ -2411,7 +2411,7 @@
           <p:cNvPr id="7" name="灯片编号占位符 6">
             <a:extLst>
               <a:ext uri="{FF2B5EF4-FFF2-40B4-BE49-F238E27FC236}">
-                <a16:creationId xmlns:a16="http://schemas.microsoft.com/office/drawing/2014/main" id="{829289E1-91D0-129C-F61D-D6CD6A466169}"/>
+                <a16:creationId xmlns:a16="http://schemas.microsoft.com/office/drawing/2014/main" id="{B18A9034-C0F9-F389-C55C-984CA35EC69D}"/>
               </a:ext>
             </a:extLst>
           </p:cNvPr>
@@ -2427,7 +2427,7 @@
           <a:bodyPr/>
           <a:lstStyle/>
           <a:p>
-            <a:fld id="{C89805E2-DDF7-4114-A3A9-A125FAC35C8D}" type="slidenum">
+            <a:fld id="{72170D43-63B0-4687-BFB9-89D64CE0792B}" type="slidenum">
               <a:rPr lang="zh-CN" altLang="en-US" smtClean="0"/>
               <a:t>‹#›</a:t>
             </a:fld>
@@ -2438,7 +2438,7 @@
     </p:spTree>
     <p:extLst>
       <p:ext uri="{BB962C8B-B14F-4D97-AF65-F5344CB8AC3E}">
-        <p14:creationId xmlns:p14="http://schemas.microsoft.com/office/powerpoint/2010/main" val="2400267632"/>
+        <p14:creationId xmlns:p14="http://schemas.microsoft.com/office/powerpoint/2010/main" val="676225026"/>
       </p:ext>
     </p:extLst>
   </p:cSld>
@@ -2470,7 +2470,7 @@
           <p:cNvPr id="2" name="标题 1">
             <a:extLst>
               <a:ext uri="{FF2B5EF4-FFF2-40B4-BE49-F238E27FC236}">
-                <a16:creationId xmlns:a16="http://schemas.microsoft.com/office/drawing/2014/main" id="{FEEBB3D7-A506-37E4-9252-0B09FDC9F7A0}"/>
+                <a16:creationId xmlns:a16="http://schemas.microsoft.com/office/drawing/2014/main" id="{889B3C51-8EBC-A02A-22D7-E3B5E3361AEF}"/>
               </a:ext>
             </a:extLst>
           </p:cNvPr>
@@ -2507,7 +2507,7 @@
           <p:cNvPr id="3" name="图片占位符 2">
             <a:extLst>
               <a:ext uri="{FF2B5EF4-FFF2-40B4-BE49-F238E27FC236}">
-                <a16:creationId xmlns:a16="http://schemas.microsoft.com/office/drawing/2014/main" id="{1C046172-8D0A-E5BE-0205-C1D3008500C9}"/>
+                <a16:creationId xmlns:a16="http://schemas.microsoft.com/office/drawing/2014/main" id="{F10E6CA7-74E4-1D31-B3C0-C330A0CAD889}"/>
               </a:ext>
             </a:extLst>
           </p:cNvPr>
@@ -2574,7 +2574,7 @@
           <p:cNvPr id="4" name="文本占位符 3">
             <a:extLst>
               <a:ext uri="{FF2B5EF4-FFF2-40B4-BE49-F238E27FC236}">
-                <a16:creationId xmlns:a16="http://schemas.microsoft.com/office/drawing/2014/main" id="{A4D86762-F466-A018-B4C5-93B6D62AF86D}"/>
+                <a16:creationId xmlns:a16="http://schemas.microsoft.com/office/drawing/2014/main" id="{B4B98F45-2668-B542-86ED-E3731DA130A9}"/>
               </a:ext>
             </a:extLst>
           </p:cNvPr>
@@ -2645,7 +2645,7 @@
           <p:cNvPr id="5" name="日期占位符 4">
             <a:extLst>
               <a:ext uri="{FF2B5EF4-FFF2-40B4-BE49-F238E27FC236}">
-                <a16:creationId xmlns:a16="http://schemas.microsoft.com/office/drawing/2014/main" id="{B959E5EE-6759-DF6C-E5BA-139CF4E01CCC}"/>
+                <a16:creationId xmlns:a16="http://schemas.microsoft.com/office/drawing/2014/main" id="{863330D8-F0CF-9068-136C-F79EEAA2802F}"/>
               </a:ext>
             </a:extLst>
           </p:cNvPr>
@@ -2661,7 +2661,7 @@
           <a:bodyPr/>
           <a:lstStyle/>
           <a:p>
-            <a:fld id="{2B4B41D6-3795-4D08-A12D-2BAC4B2C15A8}" type="datetimeFigureOut">
+            <a:fld id="{92C4149D-1F30-4B51-B9E5-4952FE86AB54}" type="datetimeFigureOut">
               <a:rPr lang="zh-CN" altLang="en-US" smtClean="0"/>
               <a:t>2024/3/10</a:t>
             </a:fld>
@@ -2674,7 +2674,7 @@
           <p:cNvPr id="6" name="页脚占位符 5">
             <a:extLst>
               <a:ext uri="{FF2B5EF4-FFF2-40B4-BE49-F238E27FC236}">
-                <a16:creationId xmlns:a16="http://schemas.microsoft.com/office/drawing/2014/main" id="{27B5CA55-10AD-82C8-6B10-8AF2A932287E}"/>
+                <a16:creationId xmlns:a16="http://schemas.microsoft.com/office/drawing/2014/main" id="{613F736B-E2C9-1E00-25E4-A8B849EE085D}"/>
               </a:ext>
             </a:extLst>
           </p:cNvPr>
@@ -2699,7 +2699,7 @@
           <p:cNvPr id="7" name="灯片编号占位符 6">
             <a:extLst>
               <a:ext uri="{FF2B5EF4-FFF2-40B4-BE49-F238E27FC236}">
-                <a16:creationId xmlns:a16="http://schemas.microsoft.com/office/drawing/2014/main" id="{18AA9BFE-F077-642E-0948-A173690DC080}"/>
+                <a16:creationId xmlns:a16="http://schemas.microsoft.com/office/drawing/2014/main" id="{7C9BDD21-B9F8-DA53-03C2-CFFFC1BB3425}"/>
               </a:ext>
             </a:extLst>
           </p:cNvPr>
@@ -2715,7 +2715,7 @@
           <a:bodyPr/>
           <a:lstStyle/>
           <a:p>
-            <a:fld id="{C89805E2-DDF7-4114-A3A9-A125FAC35C8D}" type="slidenum">
+            <a:fld id="{72170D43-63B0-4687-BFB9-89D64CE0792B}" type="slidenum">
               <a:rPr lang="zh-CN" altLang="en-US" smtClean="0"/>
               <a:t>‹#›</a:t>
             </a:fld>
@@ -2726,7 +2726,7 @@
     </p:spTree>
     <p:extLst>
       <p:ext uri="{BB962C8B-B14F-4D97-AF65-F5344CB8AC3E}">
-        <p14:creationId xmlns:p14="http://schemas.microsoft.com/office/powerpoint/2010/main" val="3617564922"/>
+        <p14:creationId xmlns:p14="http://schemas.microsoft.com/office/powerpoint/2010/main" val="3013807369"/>
       </p:ext>
     </p:extLst>
   </p:cSld>
@@ -2763,7 +2763,7 @@
           <p:cNvPr id="2" name="标题占位符 1">
             <a:extLst>
               <a:ext uri="{FF2B5EF4-FFF2-40B4-BE49-F238E27FC236}">
-                <a16:creationId xmlns:a16="http://schemas.microsoft.com/office/drawing/2014/main" id="{F90C7F7D-733B-2CB8-F3B8-D0490478F010}"/>
+                <a16:creationId xmlns:a16="http://schemas.microsoft.com/office/drawing/2014/main" id="{A3137A3C-6E45-13C2-C093-01609400C696}"/>
               </a:ext>
             </a:extLst>
           </p:cNvPr>
@@ -2801,7 +2801,7 @@
           <p:cNvPr id="3" name="文本占位符 2">
             <a:extLst>
               <a:ext uri="{FF2B5EF4-FFF2-40B4-BE49-F238E27FC236}">
-                <a16:creationId xmlns:a16="http://schemas.microsoft.com/office/drawing/2014/main" id="{38898C40-0AB2-A47B-E024-C419C60FC82F}"/>
+                <a16:creationId xmlns:a16="http://schemas.microsoft.com/office/drawing/2014/main" id="{5CC9DE51-21EB-5AAE-CDE8-FB1CBACFD166}"/>
               </a:ext>
             </a:extLst>
           </p:cNvPr>
@@ -2868,7 +2868,7 @@
           <p:cNvPr id="4" name="日期占位符 3">
             <a:extLst>
               <a:ext uri="{FF2B5EF4-FFF2-40B4-BE49-F238E27FC236}">
-                <a16:creationId xmlns:a16="http://schemas.microsoft.com/office/drawing/2014/main" id="{2148A5DC-06EB-EFEB-4C68-B5D82DC8D35B}"/>
+                <a16:creationId xmlns:a16="http://schemas.microsoft.com/office/drawing/2014/main" id="{92015EDD-BA12-FD0C-A3AE-D203E5ECEC73}"/>
               </a:ext>
             </a:extLst>
           </p:cNvPr>
@@ -2902,7 +2902,7 @@
             </a:lvl1pPr>
           </a:lstStyle>
           <a:p>
-            <a:fld id="{2B4B41D6-3795-4D08-A12D-2BAC4B2C15A8}" type="datetimeFigureOut">
+            <a:fld id="{92C4149D-1F30-4B51-B9E5-4952FE86AB54}" type="datetimeFigureOut">
               <a:rPr lang="zh-CN" altLang="en-US" smtClean="0"/>
               <a:t>2024/3/10</a:t>
             </a:fld>
@@ -2915,7 +2915,7 @@
           <p:cNvPr id="5" name="页脚占位符 4">
             <a:extLst>
               <a:ext uri="{FF2B5EF4-FFF2-40B4-BE49-F238E27FC236}">
-                <a16:creationId xmlns:a16="http://schemas.microsoft.com/office/drawing/2014/main" id="{BB5771E1-4E74-1337-2B4F-BB0E383F2B9C}"/>
+                <a16:creationId xmlns:a16="http://schemas.microsoft.com/office/drawing/2014/main" id="{A0F7AA1B-861F-6E2F-2188-BED3D786D51D}"/>
               </a:ext>
             </a:extLst>
           </p:cNvPr>
@@ -2958,7 +2958,7 @@
           <p:cNvPr id="6" name="灯片编号占位符 5">
             <a:extLst>
               <a:ext uri="{FF2B5EF4-FFF2-40B4-BE49-F238E27FC236}">
-                <a16:creationId xmlns:a16="http://schemas.microsoft.com/office/drawing/2014/main" id="{11E014F4-972D-FAAB-21E8-0075D3504DC8}"/>
+                <a16:creationId xmlns:a16="http://schemas.microsoft.com/office/drawing/2014/main" id="{D017BCFD-23DF-1E16-CF05-90616D8B85BA}"/>
               </a:ext>
             </a:extLst>
           </p:cNvPr>
@@ -2992,7 +2992,7 @@
             </a:lvl1pPr>
           </a:lstStyle>
           <a:p>
-            <a:fld id="{C89805E2-DDF7-4114-A3A9-A125FAC35C8D}" type="slidenum">
+            <a:fld id="{72170D43-63B0-4687-BFB9-89D64CE0792B}" type="slidenum">
               <a:rPr lang="zh-CN" altLang="en-US" smtClean="0"/>
               <a:t>‹#›</a:t>
             </a:fld>
@@ -3003,7 +3003,7 @@
     </p:spTree>
     <p:extLst>
       <p:ext uri="{BB962C8B-B14F-4D97-AF65-F5344CB8AC3E}">
-        <p14:creationId xmlns:p14="http://schemas.microsoft.com/office/powerpoint/2010/main" val="1519964171"/>
+        <p14:creationId xmlns:p14="http://schemas.microsoft.com/office/powerpoint/2010/main" val="245294235"/>
       </p:ext>
     </p:extLst>
   </p:cSld>
